--- a/lectures/GenViz_Module4_Lecture.pptx
+++ b/lectures/GenViz_Module4_Lecture.pptx
@@ -13,7 +13,7 @@
   <p:sldIdLst>
     <p:sldId id="256" r:id="rId2"/>
     <p:sldId id="259" r:id="rId3"/>
-    <p:sldId id="258" r:id="rId4"/>
+    <p:sldId id="260" r:id="rId4"/>
     <p:sldId id="257" r:id="rId5"/>
   </p:sldIdLst>
   <p:sldSz cx="9144000" cy="6858000" type="screen4x3"/>
@@ -115,7 +115,7 @@
   </p:defaultTextStyle>
   <p:extLst>
     <p:ext uri="{EFAFB233-063F-42B5-8137-9DF3F51BA10A}">
-      <p15:sldGuideLst xmlns:p15="http://schemas.microsoft.com/office/powerpoint/2012/main" xmlns="">
+      <p15:sldGuideLst xmlns="" xmlns:p15="http://schemas.microsoft.com/office/powerpoint/2012/main">
         <p15:guide id="1" orient="horz" pos="2160">
           <p15:clr>
             <a:srgbClr val="A4A3A4"/>
@@ -215,7 +215,7 @@
             <a:fld id="{03643E35-CD80-874A-A3D7-254E954BB753}" type="datetimeFigureOut">
               <a:rPr lang="en-US" smtClean="0"/>
               <a:pPr/>
-              <a:t>7/28/17</a:t>
+              <a:t>8/25/17</a:t>
             </a:fld>
             <a:endParaRPr lang="en-US"/>
           </a:p>
@@ -382,7 +382,7 @@
             <a:fld id="{5C416C15-7665-174C-99B8-5B237ACA6582}" type="datetimeFigureOut">
               <a:rPr lang="en-US" smtClean="0"/>
               <a:pPr/>
-              <a:t>7/28/17</a:t>
+              <a:t>8/25/17</a:t>
             </a:fld>
             <a:endParaRPr lang="en-US"/>
           </a:p>
@@ -2951,19 +2951,19 @@
               <a:t> Module </a:t>
             </a:r>
             <a:r>
-              <a:rPr lang="en-US" dirty="0"/>
+              <a:rPr lang="en-US" dirty="0" smtClean="0"/>
               <a:t>4:</a:t>
             </a:r>
+            <a:r>
+              <a:rPr lang="en-US" dirty="0" smtClean="0"/>
+              <a:t/>
+            </a:r>
             <a:br>
-              <a:rPr lang="en-US" dirty="0"/>
+              <a:rPr lang="en-US" dirty="0" smtClean="0"/>
             </a:br>
             <a:r>
-              <a:rPr lang="en-US" dirty="0"/>
-              <a:t>Variant annotation and </a:t>
-            </a:r>
-            <a:r>
               <a:rPr lang="en-US" dirty="0" smtClean="0"/>
-              <a:t>interpretation</a:t>
+              <a:t>Expression profiling, visualization, and interpretation</a:t>
             </a:r>
             <a:endParaRPr lang="en-US" dirty="0"/>
           </a:p>
@@ -3290,49 +3290,91 @@
         <p:spPr/>
         <p:txBody>
           <a:bodyPr>
-            <a:normAutofit/>
+            <a:normAutofit fontScale="92500" lnSpcReduction="10000"/>
           </a:bodyPr>
           <a:lstStyle/>
           <a:p>
             <a:r>
               <a:rPr lang="en-US" dirty="0" smtClean="0"/>
-              <a:t>Module 1: Introduction to genomic data visualization and interpretation</a:t>
-            </a:r>
-          </a:p>
-          <a:p>
+              <a:t>Module 1: </a:t>
+            </a:r>
             <a:r>
               <a:rPr lang="en-US" dirty="0"/>
-              <a:t>Module 2: </a:t>
-            </a:r>
+              <a:t>Introduction to genomic data visualization and interpretation</a:t>
+            </a:r>
+            <a:endParaRPr lang="en-US" dirty="0" smtClean="0"/>
+          </a:p>
+          <a:p>
             <a:r>
               <a:rPr lang="en-US" dirty="0" smtClean="0"/>
-              <a:t>Genomic visualization in R</a:t>
-            </a:r>
-          </a:p>
-          <a:p>
+              <a:t>Module 2</a:t>
+            </a:r>
+            <a:r>
+              <a:rPr lang="en-US" dirty="0"/>
+              <a:t>: Using R for genomic data visualization and </a:t>
+            </a:r>
             <a:r>
               <a:rPr lang="en-US" dirty="0" smtClean="0"/>
-              <a:t>Module 3: Differential </a:t>
+              <a:t>interpretation</a:t>
+            </a:r>
+          </a:p>
+          <a:p>
+            <a:r>
+              <a:rPr lang="en-US" dirty="0" smtClean="0"/>
+              <a:t>Module </a:t>
+            </a:r>
+            <a:r>
+              <a:rPr lang="en-US" dirty="0" smtClean="0"/>
+              <a:t>3: </a:t>
             </a:r>
             <a:r>
               <a:rPr lang="en-US" dirty="0"/>
-              <a:t>gene </a:t>
-            </a:r>
+              <a:t>Introduction to </a:t>
+            </a:r>
+            <a:r>
+              <a:rPr lang="en-US" dirty="0" err="1" smtClean="0"/>
+              <a:t>GenVisR</a:t>
+            </a:r>
+            <a:endParaRPr lang="en-US" dirty="0" smtClean="0"/>
+          </a:p>
+          <a:p>
+            <a:r>
+              <a:rPr lang="en-US" b="1" dirty="0"/>
+              <a:t>Module 4: Expression profiling, visualization, and interpretation</a:t>
+            </a:r>
+            <a:endParaRPr lang="en-US" b="1" dirty="0" smtClean="0"/>
+          </a:p>
+          <a:p>
             <a:r>
               <a:rPr lang="en-US" dirty="0" smtClean="0"/>
-              <a:t>expression, pathway analysis and visualization</a:t>
-            </a:r>
-          </a:p>
-          <a:p>
-            <a:r>
-              <a:rPr lang="en-US" b="1" dirty="0" smtClean="0"/>
-              <a:t>Module 4: Variant annotation and interpretation</a:t>
-            </a:r>
-          </a:p>
-          <a:p>
+              <a:t>Module </a:t>
+            </a:r>
             <a:r>
               <a:rPr lang="en-US" dirty="0" smtClean="0"/>
-              <a:t>Module 5: Review, Q &amp; A, discussion, and working with your own data</a:t>
+              <a:t>5</a:t>
+            </a:r>
+            <a:r>
+              <a:rPr lang="en-US" dirty="0"/>
+              <a:t>: Variant annotation and interpretation</a:t>
+            </a:r>
+            <a:endParaRPr lang="en-US" dirty="0" smtClean="0"/>
+          </a:p>
+          <a:p>
+            <a:r>
+              <a:rPr lang="en-US" dirty="0" smtClean="0"/>
+              <a:t>Module </a:t>
+            </a:r>
+            <a:r>
+              <a:rPr lang="en-US" dirty="0" smtClean="0"/>
+              <a:t>6</a:t>
+            </a:r>
+            <a:r>
+              <a:rPr lang="en-US" dirty="0"/>
+              <a:t>: Q &amp; A, discussion, integrated assignments, and working with your own </a:t>
+            </a:r>
+            <a:r>
+              <a:rPr lang="en-US" dirty="0" smtClean="0"/>
+              <a:t>data</a:t>
             </a:r>
           </a:p>
           <a:p>
@@ -3364,7 +3406,7 @@
     </p:spTree>
     <p:extLst>
       <p:ext uri="{BB962C8B-B14F-4D97-AF65-F5344CB8AC3E}">
-        <p14:creationId xmlns:p14="http://schemas.microsoft.com/office/powerpoint/2010/main" val="3738912597"/>
+        <p14:creationId xmlns:p14="http://schemas.microsoft.com/office/powerpoint/2010/main" val="135940326"/>
       </p:ext>
     </p:extLst>
   </p:cSld>
@@ -3441,18 +3483,14 @@
           <a:lstStyle/>
           <a:p>
             <a:r>
-              <a:rPr lang="en-US" dirty="0"/>
-              <a:t>Introduction to genomic data visualization and </a:t>
-            </a:r>
-            <a:r>
-              <a:rPr lang="en-US" dirty="0" smtClean="0"/>
-              <a:t>interpretation</a:t>
+              <a:rPr lang="en-US"/>
+              <a:t>Expression profiling, visualization, and interpretation</a:t>
             </a:r>
           </a:p>
           <a:p>
             <a:pPr lvl="1"/>
             <a:r>
-              <a:rPr lang="mr-IN" dirty="0" smtClean="0"/>
+              <a:rPr lang="mr-IN" smtClean="0"/>
               <a:t>…</a:t>
             </a:r>
             <a:endParaRPr lang="en-US" dirty="0"/>
@@ -3740,7 +3778,7 @@
   <a:extraClrSchemeLst/>
   <a:extLst>
     <a:ext uri="{05A4C25C-085E-4340-85A3-A5531E510DB2}">
-      <thm15:themeFamily xmlns:thm15="http://schemas.microsoft.com/office/thememl/2012/main" xmlns="" name="MGI_4-3_ratio_v1a" id="{9A0171FA-20F4-F840-B1C8-29D686AB0540}" vid="{60506783-C923-7847-B1CA-7C860CC95497}"/>
+      <thm15:themeFamily xmlns="" xmlns:thm15="http://schemas.microsoft.com/office/thememl/2012/main" name="MGI_4-3_ratio_v1a" id="{9A0171FA-20F4-F840-B1C8-29D686AB0540}" vid="{60506783-C923-7847-B1CA-7C860CC95497}"/>
     </a:ext>
   </a:extLst>
 </a:theme>

--- a/lectures/GenViz_Module4_Lecture.pptx
+++ b/lectures/GenViz_Module4_Lecture.pptx
@@ -5,16 +5,25 @@
     <p:sldMasterId id="2147483648" r:id="rId1"/>
   </p:sldMasterIdLst>
   <p:notesMasterIdLst>
-    <p:notesMasterId r:id="rId6"/>
+    <p:notesMasterId r:id="rId15"/>
   </p:notesMasterIdLst>
   <p:handoutMasterIdLst>
-    <p:handoutMasterId r:id="rId7"/>
+    <p:handoutMasterId r:id="rId16"/>
   </p:handoutMasterIdLst>
   <p:sldIdLst>
     <p:sldId id="256" r:id="rId2"/>
     <p:sldId id="259" r:id="rId3"/>
     <p:sldId id="260" r:id="rId4"/>
     <p:sldId id="257" r:id="rId5"/>
+    <p:sldId id="269" r:id="rId6"/>
+    <p:sldId id="265" r:id="rId7"/>
+    <p:sldId id="266" r:id="rId8"/>
+    <p:sldId id="267" r:id="rId9"/>
+    <p:sldId id="261" r:id="rId10"/>
+    <p:sldId id="262" r:id="rId11"/>
+    <p:sldId id="268" r:id="rId12"/>
+    <p:sldId id="263" r:id="rId13"/>
+    <p:sldId id="264" r:id="rId14"/>
   </p:sldIdLst>
   <p:sldSz cx="9144000" cy="6858000" type="screen4x3"/>
   <p:notesSz cx="6858000" cy="9144000"/>
@@ -115,7 +124,7 @@
   </p:defaultTextStyle>
   <p:extLst>
     <p:ext uri="{EFAFB233-063F-42B5-8137-9DF3F51BA10A}">
-      <p15:sldGuideLst xmlns="" xmlns:p15="http://schemas.microsoft.com/office/powerpoint/2012/main">
+      <p15:sldGuideLst xmlns:p15="http://schemas.microsoft.com/office/powerpoint/2012/main" xmlns="">
         <p15:guide id="1" orient="horz" pos="2160">
           <p15:clr>
             <a:srgbClr val="A4A3A4"/>
@@ -215,7 +224,7 @@
             <a:fld id="{03643E35-CD80-874A-A3D7-254E954BB753}" type="datetimeFigureOut">
               <a:rPr lang="en-US" smtClean="0"/>
               <a:pPr/>
-              <a:t>8/25/17</a:t>
+              <a:t>9/8/17</a:t>
             </a:fld>
             <a:endParaRPr lang="en-US"/>
           </a:p>
@@ -382,7 +391,7 @@
             <a:fld id="{5C416C15-7665-174C-99B8-5B237ACA6582}" type="datetimeFigureOut">
               <a:rPr lang="en-US" smtClean="0"/>
               <a:pPr/>
-              <a:t>8/25/17</a:t>
+              <a:t>9/8/17</a:t>
             </a:fld>
             <a:endParaRPr lang="en-US"/>
           </a:p>
@@ -2948,15 +2957,7 @@
             </a:r>
             <a:r>
               <a:rPr lang="en-US" dirty="0" smtClean="0"/>
-              <a:t> Module </a:t>
-            </a:r>
-            <a:r>
-              <a:rPr lang="en-US" dirty="0" smtClean="0"/>
-              <a:t>4:</a:t>
-            </a:r>
-            <a:r>
-              <a:rPr lang="en-US" dirty="0" smtClean="0"/>
-              <a:t/>
+              <a:t> Module 4:</a:t>
             </a:r>
             <a:br>
               <a:rPr lang="en-US" dirty="0" smtClean="0"/>
@@ -3120,6 +3121,504 @@
       </p:par>
     </p:tnLst>
   </p:timing>
+</p:sld>
+</file>
+
+<file path=ppt/slides/slide10.xml><?xml version="1.0" encoding="utf-8"?>
+<p:sld xmlns:a="http://schemas.openxmlformats.org/drawingml/2006/main" xmlns:r="http://schemas.openxmlformats.org/officeDocument/2006/relationships" xmlns:p="http://schemas.openxmlformats.org/presentationml/2006/main">
+  <p:cSld>
+    <p:spTree>
+      <p:nvGrpSpPr>
+        <p:cNvPr id="1" name=""/>
+        <p:cNvGrpSpPr/>
+        <p:nvPr/>
+      </p:nvGrpSpPr>
+      <p:grpSpPr>
+        <a:xfrm>
+          <a:off x="0" y="0"/>
+          <a:ext cx="0" cy="0"/>
+          <a:chOff x="0" y="0"/>
+          <a:chExt cx="0" cy="0"/>
+        </a:xfrm>
+      </p:grpSpPr>
+      <p:sp>
+        <p:nvSpPr>
+          <p:cNvPr id="2" name="Title 1"/>
+          <p:cNvSpPr>
+            <a:spLocks noGrp="1"/>
+          </p:cNvSpPr>
+          <p:nvPr>
+            <p:ph type="title"/>
+          </p:nvPr>
+        </p:nvSpPr>
+        <p:spPr/>
+        <p:txBody>
+          <a:bodyPr/>
+          <a:lstStyle/>
+          <a:p>
+            <a:r>
+              <a:rPr lang="en-US" dirty="0">
+                <a:latin typeface="Calibri" charset="0"/>
+                <a:ea typeface="ＭＳ Ｐゴシック" charset="0"/>
+              </a:rPr>
+              <a:t>Alternative differential expression methods</a:t>
+            </a:r>
+            <a:endParaRPr lang="en-US" dirty="0"/>
+          </a:p>
+        </p:txBody>
+      </p:sp>
+      <p:sp>
+        <p:nvSpPr>
+          <p:cNvPr id="3" name="Content Placeholder 2"/>
+          <p:cNvSpPr>
+            <a:spLocks noGrp="1"/>
+          </p:cNvSpPr>
+          <p:nvPr>
+            <p:ph idx="1"/>
+          </p:nvPr>
+        </p:nvSpPr>
+        <p:spPr/>
+        <p:txBody>
+          <a:bodyPr/>
+          <a:lstStyle/>
+          <a:p>
+            <a:r>
+              <a:rPr lang="en-US" dirty="0">
+                <a:latin typeface="Calibri" charset="0"/>
+                <a:ea typeface="ＭＳ Ｐゴシック" charset="0"/>
+              </a:rPr>
+              <a:t>Raw count approaches</a:t>
+            </a:r>
+          </a:p>
+          <a:p>
+            <a:pPr lvl="1"/>
+            <a:r>
+              <a:rPr lang="en-US" dirty="0">
+                <a:latin typeface="Calibri" charset="0"/>
+                <a:ea typeface="ＭＳ Ｐゴシック" charset="0"/>
+              </a:rPr>
+              <a:t>DESeq2 - </a:t>
+            </a:r>
+            <a:r>
+              <a:rPr lang="en-US" dirty="0">
+                <a:latin typeface="Calibri" charset="0"/>
+                <a:ea typeface="ＭＳ Ｐゴシック" charset="0"/>
+                <a:hlinkClick r:id="rId2"/>
+              </a:rPr>
+              <a:t>http://www-huber.embl.de/users/anders/DESeq/</a:t>
+            </a:r>
+            <a:endParaRPr lang="en-US" dirty="0">
+              <a:latin typeface="Calibri" charset="0"/>
+              <a:ea typeface="ＭＳ Ｐゴシック" charset="0"/>
+            </a:endParaRPr>
+          </a:p>
+          <a:p>
+            <a:pPr lvl="1"/>
+            <a:r>
+              <a:rPr lang="en-US" dirty="0" err="1">
+                <a:latin typeface="Calibri" charset="0"/>
+                <a:ea typeface="ＭＳ Ｐゴシック" charset="0"/>
+              </a:rPr>
+              <a:t>edgeR</a:t>
+            </a:r>
+            <a:r>
+              <a:rPr lang="en-US" dirty="0">
+                <a:latin typeface="Calibri" charset="0"/>
+                <a:ea typeface="ＭＳ Ｐゴシック" charset="0"/>
+              </a:rPr>
+              <a:t> - </a:t>
+            </a:r>
+            <a:r>
+              <a:rPr lang="en-US" dirty="0">
+                <a:latin typeface="Calibri" charset="0"/>
+                <a:ea typeface="ＭＳ Ｐゴシック" charset="0"/>
+                <a:hlinkClick r:id="rId3"/>
+              </a:rPr>
+              <a:t>http://www.bioconductor.org/packages/release/bioc/html/edgeR.html</a:t>
+            </a:r>
+            <a:endParaRPr lang="en-US" dirty="0">
+              <a:latin typeface="Calibri" charset="0"/>
+              <a:ea typeface="ＭＳ Ｐゴシック" charset="0"/>
+            </a:endParaRPr>
+          </a:p>
+          <a:p>
+            <a:pPr lvl="1"/>
+            <a:r>
+              <a:rPr lang="en-US" dirty="0">
+                <a:latin typeface="Calibri" charset="0"/>
+                <a:ea typeface="ＭＳ Ｐゴシック" charset="0"/>
+              </a:rPr>
+              <a:t>Others…</a:t>
+            </a:r>
+          </a:p>
+          <a:p>
+            <a:pPr marL="0" indent="0">
+              <a:buNone/>
+            </a:pPr>
+            <a:endParaRPr lang="en-US" dirty="0"/>
+          </a:p>
+        </p:txBody>
+      </p:sp>
+    </p:spTree>
+    <p:extLst>
+      <p:ext uri="{BB962C8B-B14F-4D97-AF65-F5344CB8AC3E}">
+        <p14:creationId xmlns:p14="http://schemas.microsoft.com/office/powerpoint/2010/main" val="1334736204"/>
+      </p:ext>
+    </p:extLst>
+  </p:cSld>
+  <p:clrMapOvr>
+    <a:masterClrMapping/>
+  </p:clrMapOvr>
+</p:sld>
+</file>
+
+<file path=ppt/slides/slide11.xml><?xml version="1.0" encoding="utf-8"?>
+<p:sld xmlns:a="http://schemas.openxmlformats.org/drawingml/2006/main" xmlns:r="http://schemas.openxmlformats.org/officeDocument/2006/relationships" xmlns:p="http://schemas.openxmlformats.org/presentationml/2006/main">
+  <p:cSld>
+    <p:spTree>
+      <p:nvGrpSpPr>
+        <p:cNvPr id="1" name=""/>
+        <p:cNvGrpSpPr/>
+        <p:nvPr/>
+      </p:nvGrpSpPr>
+      <p:grpSpPr>
+        <a:xfrm>
+          <a:off x="0" y="0"/>
+          <a:ext cx="0" cy="0"/>
+          <a:chOff x="0" y="0"/>
+          <a:chExt cx="0" cy="0"/>
+        </a:xfrm>
+      </p:grpSpPr>
+      <p:sp>
+        <p:nvSpPr>
+          <p:cNvPr id="2" name="Title 1"/>
+          <p:cNvSpPr>
+            <a:spLocks noGrp="1"/>
+          </p:cNvSpPr>
+          <p:nvPr>
+            <p:ph type="title"/>
+          </p:nvPr>
+        </p:nvSpPr>
+        <p:spPr/>
+        <p:txBody>
+          <a:bodyPr/>
+          <a:lstStyle/>
+          <a:p>
+            <a:r>
+              <a:rPr lang="en-US" dirty="0">
+                <a:latin typeface="Calibri" charset="0"/>
+                <a:ea typeface="ＭＳ Ｐゴシック" charset="0"/>
+              </a:rPr>
+              <a:t>‘FPKM’ expression estimates vs. ‘raw’ counts</a:t>
+            </a:r>
+            <a:endParaRPr lang="en-US" dirty="0"/>
+          </a:p>
+        </p:txBody>
+      </p:sp>
+      <p:sp>
+        <p:nvSpPr>
+          <p:cNvPr id="3" name="Content Placeholder 2"/>
+          <p:cNvSpPr>
+            <a:spLocks noGrp="1"/>
+          </p:cNvSpPr>
+          <p:nvPr>
+            <p:ph idx="1"/>
+          </p:nvPr>
+        </p:nvSpPr>
+        <p:spPr/>
+        <p:txBody>
+          <a:bodyPr/>
+          <a:lstStyle/>
+          <a:p>
+            <a:r>
+              <a:rPr lang="en-US" dirty="0">
+                <a:latin typeface="Calibri" charset="0"/>
+                <a:ea typeface="ＭＳ Ｐゴシック" charset="0"/>
+              </a:rPr>
+              <a:t>Which should I use?</a:t>
+            </a:r>
+          </a:p>
+          <a:p>
+            <a:pPr lvl="1"/>
+            <a:r>
+              <a:rPr lang="en-US" dirty="0">
+                <a:latin typeface="Calibri" charset="0"/>
+                <a:ea typeface="ＭＳ Ｐゴシック" charset="0"/>
+              </a:rPr>
+              <a:t>Long running debate with countless blogs and analyses arguing the advantages of each. The general consensus:</a:t>
+            </a:r>
+          </a:p>
+          <a:p>
+            <a:r>
+              <a:rPr lang="en-US" dirty="0">
+                <a:latin typeface="Calibri" charset="0"/>
+                <a:ea typeface="ＭＳ Ｐゴシック" charset="0"/>
+              </a:rPr>
+              <a:t>FPKM</a:t>
+            </a:r>
+          </a:p>
+          <a:p>
+            <a:pPr lvl="1"/>
+            <a:r>
+              <a:rPr lang="en-US" dirty="0" smtClean="0">
+                <a:latin typeface="Calibri" charset="0"/>
+                <a:ea typeface="ＭＳ Ｐゴシック" charset="0"/>
+              </a:rPr>
+              <a:t>Isoform </a:t>
+            </a:r>
+            <a:r>
+              <a:rPr lang="en-US" dirty="0" err="1">
+                <a:latin typeface="Calibri" charset="0"/>
+                <a:ea typeface="ＭＳ Ｐゴシック" charset="0"/>
+              </a:rPr>
+              <a:t>deconvolution</a:t>
+            </a:r>
+            <a:endParaRPr lang="en-US" dirty="0">
+              <a:latin typeface="Calibri" charset="0"/>
+              <a:ea typeface="ＭＳ Ｐゴシック" charset="0"/>
+            </a:endParaRPr>
+          </a:p>
+          <a:p>
+            <a:pPr lvl="1"/>
+            <a:r>
+              <a:rPr lang="en-US" dirty="0">
+                <a:latin typeface="Calibri" charset="0"/>
+                <a:ea typeface="ＭＳ Ｐゴシック" charset="0"/>
+              </a:rPr>
+              <a:t>Good for </a:t>
+            </a:r>
+            <a:r>
+              <a:rPr lang="en-US" dirty="0" smtClean="0">
+                <a:latin typeface="Calibri" charset="0"/>
+                <a:ea typeface="ＭＳ Ｐゴシック" charset="0"/>
+              </a:rPr>
+              <a:t>straight visualization </a:t>
+            </a:r>
+            <a:r>
+              <a:rPr lang="en-US" dirty="0">
+                <a:latin typeface="Calibri" charset="0"/>
+                <a:ea typeface="ＭＳ Ｐゴシック" charset="0"/>
+              </a:rPr>
+              <a:t>(e.g., </a:t>
+            </a:r>
+            <a:r>
+              <a:rPr lang="en-US" dirty="0" err="1">
+                <a:latin typeface="Calibri" charset="0"/>
+                <a:ea typeface="ＭＳ Ｐゴシック" charset="0"/>
+              </a:rPr>
+              <a:t>heatmaps</a:t>
+            </a:r>
+            <a:r>
+              <a:rPr lang="en-US" dirty="0">
+                <a:latin typeface="Calibri" charset="0"/>
+                <a:ea typeface="ＭＳ Ｐゴシック" charset="0"/>
+              </a:rPr>
+              <a:t>)</a:t>
+            </a:r>
+          </a:p>
+          <a:p>
+            <a:pPr lvl="1"/>
+            <a:r>
+              <a:rPr lang="en-US" dirty="0">
+                <a:latin typeface="Calibri" charset="0"/>
+                <a:ea typeface="ＭＳ Ｐゴシック" charset="0"/>
+              </a:rPr>
+              <a:t>Calculating fold changes, etc.</a:t>
+            </a:r>
+          </a:p>
+          <a:p>
+            <a:r>
+              <a:rPr lang="en-US" dirty="0">
+                <a:latin typeface="Calibri" charset="0"/>
+                <a:ea typeface="ＭＳ Ｐゴシック" charset="0"/>
+              </a:rPr>
+              <a:t>Counts</a:t>
+            </a:r>
+          </a:p>
+          <a:p>
+            <a:pPr lvl="1"/>
+            <a:r>
+              <a:rPr lang="en-US" dirty="0">
+                <a:latin typeface="Calibri" charset="0"/>
+                <a:ea typeface="ＭＳ Ｐゴシック" charset="0"/>
+              </a:rPr>
+              <a:t>More robust statistical methods for differential expression</a:t>
+            </a:r>
+          </a:p>
+          <a:p>
+            <a:pPr lvl="1"/>
+            <a:r>
+              <a:rPr lang="en-US" dirty="0">
+                <a:latin typeface="Calibri" charset="0"/>
+                <a:ea typeface="ＭＳ Ｐゴシック" charset="0"/>
+              </a:rPr>
+              <a:t>Accommodates more sophisticated experimental designs with appropriate statistical tests</a:t>
+            </a:r>
+          </a:p>
+          <a:p>
+            <a:endParaRPr lang="en-US" dirty="0"/>
+          </a:p>
+        </p:txBody>
+      </p:sp>
+    </p:spTree>
+    <p:extLst>
+      <p:ext uri="{BB962C8B-B14F-4D97-AF65-F5344CB8AC3E}">
+        <p14:creationId xmlns:p14="http://schemas.microsoft.com/office/powerpoint/2010/main" val="2652968828"/>
+      </p:ext>
+    </p:extLst>
+  </p:cSld>
+  <p:clrMapOvr>
+    <a:masterClrMapping/>
+  </p:clrMapOvr>
+</p:sld>
+</file>
+
+<file path=ppt/slides/slide12.xml><?xml version="1.0" encoding="utf-8"?>
+<p:sld xmlns:a="http://schemas.openxmlformats.org/drawingml/2006/main" xmlns:r="http://schemas.openxmlformats.org/officeDocument/2006/relationships" xmlns:p="http://schemas.openxmlformats.org/presentationml/2006/main">
+  <p:cSld>
+    <p:spTree>
+      <p:nvGrpSpPr>
+        <p:cNvPr id="1" name=""/>
+        <p:cNvGrpSpPr/>
+        <p:nvPr/>
+      </p:nvGrpSpPr>
+      <p:grpSpPr>
+        <a:xfrm>
+          <a:off x="0" y="0"/>
+          <a:ext cx="0" cy="0"/>
+          <a:chOff x="0" y="0"/>
+          <a:chExt cx="0" cy="0"/>
+        </a:xfrm>
+      </p:grpSpPr>
+      <p:sp>
+        <p:nvSpPr>
+          <p:cNvPr id="2" name="Title 1"/>
+          <p:cNvSpPr>
+            <a:spLocks noGrp="1"/>
+          </p:cNvSpPr>
+          <p:nvPr>
+            <p:ph type="title"/>
+          </p:nvPr>
+        </p:nvSpPr>
+        <p:spPr/>
+        <p:txBody>
+          <a:bodyPr/>
+          <a:lstStyle/>
+          <a:p>
+            <a:r>
+              <a:rPr lang="en-US" dirty="0"/>
+              <a:t>Multiple approaches advisable</a:t>
+            </a:r>
+          </a:p>
+        </p:txBody>
+      </p:sp>
+      <p:pic>
+        <p:nvPicPr>
+          <p:cNvPr id="4" name="Content Placeholder 3" descr="Screen Shot 2013-06-01 at 10.13.40 PM.png"/>
+          <p:cNvPicPr>
+            <a:picLocks noGrp="1" noChangeAspect="1"/>
+          </p:cNvPicPr>
+          <p:nvPr>
+            <p:ph idx="1"/>
+          </p:nvPr>
+        </p:nvPicPr>
+        <p:blipFill>
+          <a:blip r:embed="rId2">
+            <a:extLst>
+              <a:ext uri="{28A0092B-C50C-407E-A947-70E740481C1C}">
+                <a14:useLocalDpi xmlns:a14="http://schemas.microsoft.com/office/drawing/2010/main" val="0"/>
+              </a:ext>
+            </a:extLst>
+          </a:blip>
+          <a:srcRect l="-14555" r="-14555"/>
+          <a:stretch>
+            <a:fillRect/>
+          </a:stretch>
+        </p:blipFill>
+        <p:spPr>
+          <a:prstGeom prst="rect">
+            <a:avLst/>
+          </a:prstGeom>
+        </p:spPr>
+      </p:pic>
+    </p:spTree>
+    <p:extLst>
+      <p:ext uri="{BB962C8B-B14F-4D97-AF65-F5344CB8AC3E}">
+        <p14:creationId xmlns:p14="http://schemas.microsoft.com/office/powerpoint/2010/main" val="1401429776"/>
+      </p:ext>
+    </p:extLst>
+  </p:cSld>
+  <p:clrMapOvr>
+    <a:masterClrMapping/>
+  </p:clrMapOvr>
+</p:sld>
+</file>
+
+<file path=ppt/slides/slide13.xml><?xml version="1.0" encoding="utf-8"?>
+<p:sld xmlns:a="http://schemas.openxmlformats.org/drawingml/2006/main" xmlns:r="http://schemas.openxmlformats.org/officeDocument/2006/relationships" xmlns:p="http://schemas.openxmlformats.org/presentationml/2006/main">
+  <p:cSld>
+    <p:spTree>
+      <p:nvGrpSpPr>
+        <p:cNvPr id="1" name=""/>
+        <p:cNvGrpSpPr/>
+        <p:nvPr/>
+      </p:nvGrpSpPr>
+      <p:grpSpPr>
+        <a:xfrm>
+          <a:off x="0" y="0"/>
+          <a:ext cx="0" cy="0"/>
+          <a:chOff x="0" y="0"/>
+          <a:chExt cx="0" cy="0"/>
+        </a:xfrm>
+      </p:grpSpPr>
+      <p:sp>
+        <p:nvSpPr>
+          <p:cNvPr id="2" name="Title 1"/>
+          <p:cNvSpPr>
+            <a:spLocks noGrp="1"/>
+          </p:cNvSpPr>
+          <p:nvPr>
+            <p:ph type="title"/>
+          </p:nvPr>
+        </p:nvSpPr>
+        <p:spPr/>
+        <p:txBody>
+          <a:bodyPr/>
+          <a:lstStyle/>
+          <a:p>
+            <a:endParaRPr lang="en-US"/>
+          </a:p>
+        </p:txBody>
+      </p:sp>
+      <p:sp>
+        <p:nvSpPr>
+          <p:cNvPr id="3" name="Content Placeholder 2"/>
+          <p:cNvSpPr>
+            <a:spLocks noGrp="1"/>
+          </p:cNvSpPr>
+          <p:nvPr>
+            <p:ph idx="1"/>
+          </p:nvPr>
+        </p:nvSpPr>
+        <p:spPr/>
+        <p:txBody>
+          <a:bodyPr/>
+          <a:lstStyle/>
+          <a:p>
+            <a:endParaRPr lang="en-US"/>
+          </a:p>
+        </p:txBody>
+      </p:sp>
+    </p:spTree>
+    <p:extLst>
+      <p:ext uri="{BB962C8B-B14F-4D97-AF65-F5344CB8AC3E}">
+        <p14:creationId xmlns:p14="http://schemas.microsoft.com/office/powerpoint/2010/main" val="2039340216"/>
+      </p:ext>
+    </p:extLst>
+  </p:cSld>
+  <p:clrMapOvr>
+    <a:masterClrMapping/>
+  </p:clrMapOvr>
 </p:sld>
 </file>
 
@@ -3321,11 +3820,7 @@
           <a:p>
             <a:r>
               <a:rPr lang="en-US" dirty="0" smtClean="0"/>
-              <a:t>Module </a:t>
-            </a:r>
-            <a:r>
-              <a:rPr lang="en-US" dirty="0" smtClean="0"/>
-              <a:t>3: </a:t>
+              <a:t>Module 3: </a:t>
             </a:r>
             <a:r>
               <a:rPr lang="en-US" dirty="0"/>
@@ -3347,11 +3842,7 @@
           <a:p>
             <a:r>
               <a:rPr lang="en-US" dirty="0" smtClean="0"/>
-              <a:t>Module </a:t>
-            </a:r>
-            <a:r>
-              <a:rPr lang="en-US" dirty="0" smtClean="0"/>
-              <a:t>5</a:t>
+              <a:t>Module 5</a:t>
             </a:r>
             <a:r>
               <a:rPr lang="en-US" dirty="0"/>
@@ -3362,11 +3853,7 @@
           <a:p>
             <a:r>
               <a:rPr lang="en-US" dirty="0" smtClean="0"/>
-              <a:t>Module </a:t>
-            </a:r>
-            <a:r>
-              <a:rPr lang="en-US" dirty="0" smtClean="0"/>
-              <a:t>6</a:t>
+              <a:t>Module 6</a:t>
             </a:r>
             <a:r>
               <a:rPr lang="en-US" dirty="0"/>
@@ -3457,11 +3944,7 @@
           <a:p>
             <a:r>
               <a:rPr lang="en-US" dirty="0" smtClean="0"/>
-              <a:t>Learning objectives of module </a:t>
-            </a:r>
-            <a:r>
-              <a:rPr lang="en-US" dirty="0" smtClean="0"/>
-              <a:t>4</a:t>
+              <a:t>Learning objectives of module 4</a:t>
             </a:r>
             <a:endParaRPr lang="en-US" dirty="0"/>
           </a:p>
@@ -3483,16 +3966,77 @@
           <a:lstStyle/>
           <a:p>
             <a:r>
-              <a:rPr lang="en-US"/>
-              <a:t>Expression profiling, visualization, and interpretation</a:t>
+              <a:rPr lang="en-US" dirty="0"/>
+              <a:t>Expression profiling, visualization, and </a:t>
+            </a:r>
+            <a:r>
+              <a:rPr lang="en-US" dirty="0" smtClean="0"/>
+              <a:t>interpretation</a:t>
             </a:r>
           </a:p>
           <a:p>
             <a:pPr lvl="1"/>
             <a:r>
-              <a:rPr lang="mr-IN" smtClean="0"/>
-              <a:t>…</a:t>
-            </a:r>
+              <a:rPr lang="en-US" dirty="0">
+                <a:latin typeface="Calibri" charset="0"/>
+                <a:ea typeface="ＭＳ Ｐゴシック" charset="0"/>
+              </a:rPr>
+              <a:t>Expression estimation for known genes </a:t>
+            </a:r>
+            <a:r>
+              <a:rPr lang="en-US" dirty="0" smtClean="0">
+                <a:latin typeface="Calibri" charset="0"/>
+                <a:ea typeface="ＭＳ Ｐゴシック" charset="0"/>
+              </a:rPr>
+              <a:t>(concepts)</a:t>
+            </a:r>
+          </a:p>
+          <a:p>
+            <a:pPr lvl="1"/>
+            <a:r>
+              <a:rPr lang="en-US" dirty="0">
+                <a:latin typeface="Calibri" charset="0"/>
+                <a:ea typeface="ＭＳ Ｐゴシック" charset="0"/>
+              </a:rPr>
+              <a:t>FPKM’ expression estimates vs. ‘raw’ counts</a:t>
+            </a:r>
+          </a:p>
+          <a:p>
+            <a:pPr lvl="1"/>
+            <a:r>
+              <a:rPr lang="en-US" dirty="0">
+                <a:latin typeface="Calibri" charset="0"/>
+                <a:ea typeface="ＭＳ Ｐゴシック" charset="0"/>
+              </a:rPr>
+              <a:t>Differential expression </a:t>
+            </a:r>
+            <a:r>
+              <a:rPr lang="en-US" dirty="0" smtClean="0">
+                <a:latin typeface="Calibri" charset="0"/>
+                <a:ea typeface="ＭＳ Ｐゴシック" charset="0"/>
+              </a:rPr>
+              <a:t>methods (DESeq2)</a:t>
+            </a:r>
+          </a:p>
+          <a:p>
+            <a:pPr lvl="1"/>
+            <a:r>
+              <a:rPr lang="en-US" dirty="0">
+                <a:latin typeface="Calibri" charset="0"/>
+                <a:ea typeface="ＭＳ Ｐゴシック" charset="0"/>
+              </a:rPr>
+              <a:t>Downstream interpretation of expression and differential estimates</a:t>
+            </a:r>
+          </a:p>
+          <a:p>
+            <a:pPr lvl="1"/>
+            <a:endParaRPr lang="en-US" dirty="0">
+              <a:latin typeface="Calibri" charset="0"/>
+              <a:ea typeface="ＭＳ Ｐゴシック" charset="0"/>
+            </a:endParaRPr>
+          </a:p>
+          <a:p>
+            <a:pPr lvl="1"/>
             <a:endParaRPr lang="en-US" dirty="0"/>
           </a:p>
         </p:txBody>
@@ -3514,6 +4058,879 @@
       </p:par>
     </p:tnLst>
   </p:timing>
+</p:sld>
+</file>
+
+<file path=ppt/slides/slide5.xml><?xml version="1.0" encoding="utf-8"?>
+<p:sld xmlns:a="http://schemas.openxmlformats.org/drawingml/2006/main" xmlns:r="http://schemas.openxmlformats.org/officeDocument/2006/relationships" xmlns:p="http://schemas.openxmlformats.org/presentationml/2006/main">
+  <p:cSld>
+    <p:spTree>
+      <p:nvGrpSpPr>
+        <p:cNvPr id="1" name=""/>
+        <p:cNvGrpSpPr/>
+        <p:nvPr/>
+      </p:nvGrpSpPr>
+      <p:grpSpPr>
+        <a:xfrm>
+          <a:off x="0" y="0"/>
+          <a:ext cx="0" cy="0"/>
+          <a:chOff x="0" y="0"/>
+          <a:chExt cx="0" cy="0"/>
+        </a:xfrm>
+      </p:grpSpPr>
+      <p:sp>
+        <p:nvSpPr>
+          <p:cNvPr id="2" name="Title 1"/>
+          <p:cNvSpPr>
+            <a:spLocks noGrp="1"/>
+          </p:cNvSpPr>
+          <p:nvPr>
+            <p:ph type="title"/>
+          </p:nvPr>
+        </p:nvSpPr>
+        <p:spPr/>
+        <p:txBody>
+          <a:bodyPr/>
+          <a:lstStyle/>
+          <a:p>
+            <a:r>
+              <a:rPr lang="en-US" altLang="ko-KR" dirty="0">
+                <a:latin typeface="Calibri" charset="0"/>
+                <a:ea typeface="ＭＳ Ｐゴシック" charset="0"/>
+                <a:cs typeface="ＭＳ Ｐゴシック" charset="0"/>
+              </a:rPr>
+              <a:t>Gene expression</a:t>
+            </a:r>
+            <a:endParaRPr lang="en-US" dirty="0"/>
+          </a:p>
+        </p:txBody>
+      </p:sp>
+      <p:pic>
+        <p:nvPicPr>
+          <p:cNvPr id="4" name="Content Placeholder 3" descr="Figure1.png"/>
+          <p:cNvPicPr>
+            <a:picLocks noGrp="1" noChangeAspect="1"/>
+          </p:cNvPicPr>
+          <p:nvPr>
+            <p:ph idx="1"/>
+          </p:nvPr>
+        </p:nvPicPr>
+        <p:blipFill>
+          <a:blip r:embed="rId2" cstate="print">
+            <a:extLst>
+              <a:ext uri="{28A0092B-C50C-407E-A947-70E740481C1C}">
+                <a14:useLocalDpi xmlns:a14="http://schemas.microsoft.com/office/drawing/2010/main" val="0"/>
+              </a:ext>
+            </a:extLst>
+          </a:blip>
+          <a:srcRect l="-55440" r="-55440"/>
+          <a:stretch>
+            <a:fillRect/>
+          </a:stretch>
+        </p:blipFill>
+        <p:spPr>
+          <a:prstGeom prst="rect">
+            <a:avLst/>
+          </a:prstGeom>
+        </p:spPr>
+      </p:pic>
+    </p:spTree>
+    <p:extLst>
+      <p:ext uri="{BB962C8B-B14F-4D97-AF65-F5344CB8AC3E}">
+        <p14:creationId xmlns:p14="http://schemas.microsoft.com/office/powerpoint/2010/main" val="812335830"/>
+      </p:ext>
+    </p:extLst>
+  </p:cSld>
+  <p:clrMapOvr>
+    <a:masterClrMapping/>
+  </p:clrMapOvr>
+</p:sld>
+</file>
+
+<file path=ppt/slides/slide6.xml><?xml version="1.0" encoding="utf-8"?>
+<p:sld xmlns:a="http://schemas.openxmlformats.org/drawingml/2006/main" xmlns:r="http://schemas.openxmlformats.org/officeDocument/2006/relationships" xmlns:p="http://schemas.openxmlformats.org/presentationml/2006/main">
+  <p:cSld>
+    <p:spTree>
+      <p:nvGrpSpPr>
+        <p:cNvPr id="1" name=""/>
+        <p:cNvGrpSpPr/>
+        <p:nvPr/>
+      </p:nvGrpSpPr>
+      <p:grpSpPr>
+        <a:xfrm>
+          <a:off x="0" y="0"/>
+          <a:ext cx="0" cy="0"/>
+          <a:chOff x="0" y="0"/>
+          <a:chExt cx="0" cy="0"/>
+        </a:xfrm>
+      </p:grpSpPr>
+      <p:sp>
+        <p:nvSpPr>
+          <p:cNvPr id="2" name="Title 1"/>
+          <p:cNvSpPr>
+            <a:spLocks noGrp="1"/>
+          </p:cNvSpPr>
+          <p:nvPr>
+            <p:ph type="title"/>
+          </p:nvPr>
+        </p:nvSpPr>
+        <p:spPr/>
+        <p:txBody>
+          <a:bodyPr/>
+          <a:lstStyle/>
+          <a:p>
+            <a:r>
+              <a:rPr lang="en-US" dirty="0">
+                <a:latin typeface="Calibri" charset="0"/>
+                <a:ea typeface="ＭＳ Ｐゴシック" charset="0"/>
+              </a:rPr>
+              <a:t>Expression estimation for known genes and transcripts</a:t>
+            </a:r>
+            <a:endParaRPr lang="en-US" dirty="0"/>
+          </a:p>
+        </p:txBody>
+      </p:sp>
+      <p:pic>
+        <p:nvPicPr>
+          <p:cNvPr id="4" name="Content Placeholder 2" descr="Screen Shot 2013-05-30 at 8.54.37 PM.png"/>
+          <p:cNvPicPr>
+            <a:picLocks noGrp="1" noChangeAspect="1"/>
+          </p:cNvPicPr>
+          <p:nvPr>
+            <p:ph idx="1"/>
+          </p:nvPr>
+        </p:nvPicPr>
+        <p:blipFill rotWithShape="1">
+          <a:blip r:embed="rId2">
+            <a:extLst>
+              <a:ext uri="{28A0092B-C50C-407E-A947-70E740481C1C}">
+                <a14:useLocalDpi xmlns:a14="http://schemas.microsoft.com/office/drawing/2010/main" val="0"/>
+              </a:ext>
+            </a:extLst>
+          </a:blip>
+          <a:srcRect l="-12001" r="-12001"/>
+          <a:stretch/>
+        </p:blipFill>
+        <p:spPr/>
+      </p:pic>
+    </p:spTree>
+    <p:extLst>
+      <p:ext uri="{BB962C8B-B14F-4D97-AF65-F5344CB8AC3E}">
+        <p14:creationId xmlns:p14="http://schemas.microsoft.com/office/powerpoint/2010/main" val="1617688884"/>
+      </p:ext>
+    </p:extLst>
+  </p:cSld>
+  <p:clrMapOvr>
+    <a:masterClrMapping/>
+  </p:clrMapOvr>
+</p:sld>
+</file>
+
+<file path=ppt/slides/slide7.xml><?xml version="1.0" encoding="utf-8"?>
+<p:sld xmlns:a="http://schemas.openxmlformats.org/drawingml/2006/main" xmlns:r="http://schemas.openxmlformats.org/officeDocument/2006/relationships" xmlns:p="http://schemas.openxmlformats.org/presentationml/2006/main">
+  <p:cSld>
+    <p:spTree>
+      <p:nvGrpSpPr>
+        <p:cNvPr id="1" name=""/>
+        <p:cNvGrpSpPr/>
+        <p:nvPr/>
+      </p:nvGrpSpPr>
+      <p:grpSpPr>
+        <a:xfrm>
+          <a:off x="0" y="0"/>
+          <a:ext cx="0" cy="0"/>
+          <a:chOff x="0" y="0"/>
+          <a:chExt cx="0" cy="0"/>
+        </a:xfrm>
+      </p:grpSpPr>
+      <p:sp>
+        <p:nvSpPr>
+          <p:cNvPr id="2" name="Title 1"/>
+          <p:cNvSpPr>
+            <a:spLocks noGrp="1"/>
+          </p:cNvSpPr>
+          <p:nvPr>
+            <p:ph type="title"/>
+          </p:nvPr>
+        </p:nvSpPr>
+        <p:spPr/>
+        <p:txBody>
+          <a:bodyPr/>
+          <a:lstStyle/>
+          <a:p>
+            <a:r>
+              <a:rPr lang="en-US" dirty="0">
+                <a:latin typeface="Calibri" charset="0"/>
+                <a:ea typeface="ＭＳ Ｐゴシック" charset="0"/>
+              </a:rPr>
+              <a:t>What is FPKM (RPKM)</a:t>
+            </a:r>
+            <a:endParaRPr lang="en-US" dirty="0"/>
+          </a:p>
+        </p:txBody>
+      </p:sp>
+      <p:sp>
+        <p:nvSpPr>
+          <p:cNvPr id="3" name="Content Placeholder 2"/>
+          <p:cNvSpPr>
+            <a:spLocks noGrp="1"/>
+          </p:cNvSpPr>
+          <p:nvPr>
+            <p:ph idx="1"/>
+          </p:nvPr>
+        </p:nvSpPr>
+        <p:spPr/>
+        <p:txBody>
+          <a:bodyPr>
+            <a:normAutofit fontScale="92500" lnSpcReduction="20000"/>
+          </a:bodyPr>
+          <a:lstStyle/>
+          <a:p>
+            <a:r>
+              <a:rPr lang="en-US" dirty="0">
+                <a:latin typeface="Calibri" charset="0"/>
+                <a:ea typeface="ＭＳ Ｐゴシック" charset="0"/>
+              </a:rPr>
+              <a:t>RPKM: Reads Per </a:t>
+            </a:r>
+            <a:r>
+              <a:rPr lang="en-US" dirty="0" err="1">
+                <a:latin typeface="Calibri" charset="0"/>
+                <a:ea typeface="ＭＳ Ｐゴシック" charset="0"/>
+              </a:rPr>
+              <a:t>Kilobase</a:t>
+            </a:r>
+            <a:r>
+              <a:rPr lang="en-US" dirty="0">
+                <a:latin typeface="Calibri" charset="0"/>
+                <a:ea typeface="ＭＳ Ｐゴシック" charset="0"/>
+              </a:rPr>
+              <a:t> of transcript per Million mapped reads. </a:t>
+            </a:r>
+          </a:p>
+          <a:p>
+            <a:r>
+              <a:rPr lang="en-US" dirty="0">
+                <a:latin typeface="Calibri" charset="0"/>
+                <a:ea typeface="ＭＳ Ｐゴシック" charset="0"/>
+              </a:rPr>
+              <a:t>FPKM: Fragments Per </a:t>
+            </a:r>
+            <a:r>
+              <a:rPr lang="en-US" dirty="0" err="1">
+                <a:latin typeface="Calibri" charset="0"/>
+                <a:ea typeface="ＭＳ Ｐゴシック" charset="0"/>
+              </a:rPr>
+              <a:t>Kilobase</a:t>
+            </a:r>
+            <a:r>
+              <a:rPr lang="en-US" dirty="0">
+                <a:latin typeface="Calibri" charset="0"/>
+                <a:ea typeface="ＭＳ Ｐゴシック" charset="0"/>
+              </a:rPr>
+              <a:t> of transcript per Million mapped reads.</a:t>
+            </a:r>
+          </a:p>
+          <a:p>
+            <a:r>
+              <a:rPr lang="en-US" dirty="0">
+                <a:latin typeface="Calibri" charset="0"/>
+                <a:ea typeface="ＭＳ Ｐゴシック" charset="0"/>
+              </a:rPr>
+              <a:t>In RNA-</a:t>
+            </a:r>
+            <a:r>
+              <a:rPr lang="en-US" dirty="0" err="1">
+                <a:latin typeface="Calibri" charset="0"/>
+                <a:ea typeface="ＭＳ Ｐゴシック" charset="0"/>
+              </a:rPr>
+              <a:t>Seq</a:t>
+            </a:r>
+            <a:r>
+              <a:rPr lang="en-US" dirty="0">
+                <a:latin typeface="Calibri" charset="0"/>
+                <a:ea typeface="ＭＳ Ｐゴシック" charset="0"/>
+              </a:rPr>
+              <a:t>, the relative expression of a transcript is proportional to the number of </a:t>
+            </a:r>
+            <a:r>
+              <a:rPr lang="en-US" dirty="0" err="1">
+                <a:latin typeface="Calibri" charset="0"/>
+                <a:ea typeface="ＭＳ Ｐゴシック" charset="0"/>
+              </a:rPr>
+              <a:t>cDNA</a:t>
+            </a:r>
+            <a:r>
+              <a:rPr lang="en-US" dirty="0">
+                <a:latin typeface="Calibri" charset="0"/>
+                <a:ea typeface="ＭＳ Ｐゴシック" charset="0"/>
+              </a:rPr>
+              <a:t> fragments that originate from it. However: </a:t>
+            </a:r>
+          </a:p>
+          <a:p>
+            <a:pPr lvl="1"/>
+            <a:r>
+              <a:rPr lang="en-US" dirty="0">
+                <a:latin typeface="Calibri" charset="0"/>
+                <a:ea typeface="ＭＳ Ｐゴシック" charset="0"/>
+              </a:rPr>
+              <a:t>The number of fragments is also biased towards larger genes</a:t>
+            </a:r>
+          </a:p>
+          <a:p>
+            <a:pPr lvl="1"/>
+            <a:r>
+              <a:rPr lang="en-US" dirty="0">
+                <a:latin typeface="Calibri" charset="0"/>
+                <a:ea typeface="ＭＳ Ｐゴシック" charset="0"/>
+              </a:rPr>
+              <a:t>The total number of fragments is related to total library depth</a:t>
+            </a:r>
+          </a:p>
+          <a:p>
+            <a:r>
+              <a:rPr lang="en-US" dirty="0">
+                <a:latin typeface="Calibri" charset="0"/>
+                <a:ea typeface="ＭＳ Ｐゴシック" charset="0"/>
+              </a:rPr>
+              <a:t>FPKM (RPKM) attempt to normalize for gene size and library depth</a:t>
+            </a:r>
+          </a:p>
+          <a:p>
+            <a:endParaRPr lang="nl-NL" dirty="0">
+              <a:latin typeface="Calibri" charset="0"/>
+              <a:ea typeface="ＭＳ Ｐゴシック" charset="0"/>
+            </a:endParaRPr>
+          </a:p>
+          <a:p>
+            <a:r>
+              <a:rPr lang="nl-NL" dirty="0">
+                <a:latin typeface="Calibri" charset="0"/>
+                <a:ea typeface="ＭＳ Ｐゴシック" charset="0"/>
+              </a:rPr>
+              <a:t>FPKM (RPKM) = (10^9 * C) / (N * L)</a:t>
+            </a:r>
+            <a:r>
+              <a:rPr lang="en-US" dirty="0">
+                <a:latin typeface="Calibri" charset="0"/>
+                <a:ea typeface="ＭＳ Ｐゴシック" charset="0"/>
+              </a:rPr>
+              <a:t> </a:t>
+            </a:r>
+          </a:p>
+          <a:p>
+            <a:pPr lvl="1"/>
+            <a:r>
+              <a:rPr lang="en-US" dirty="0">
+                <a:latin typeface="Calibri" charset="0"/>
+                <a:ea typeface="ＭＳ Ｐゴシック" charset="0"/>
+              </a:rPr>
+              <a:t>C = number of </a:t>
+            </a:r>
+            <a:r>
+              <a:rPr lang="en-US" dirty="0" err="1">
+                <a:latin typeface="Calibri" charset="0"/>
+                <a:ea typeface="ＭＳ Ｐゴシック" charset="0"/>
+              </a:rPr>
+              <a:t>mappable</a:t>
+            </a:r>
+            <a:r>
+              <a:rPr lang="en-US" dirty="0">
+                <a:latin typeface="Calibri" charset="0"/>
+                <a:ea typeface="ＭＳ Ｐゴシック" charset="0"/>
+              </a:rPr>
+              <a:t> reads/fragments for a gene/transcript/exon/</a:t>
+            </a:r>
+            <a:r>
+              <a:rPr lang="en-US" dirty="0" err="1">
+                <a:latin typeface="Calibri" charset="0"/>
+                <a:ea typeface="ＭＳ Ｐゴシック" charset="0"/>
+              </a:rPr>
+              <a:t>etc</a:t>
+            </a:r>
+            <a:endParaRPr lang="en-US" dirty="0">
+              <a:latin typeface="Calibri" charset="0"/>
+              <a:ea typeface="ＭＳ Ｐゴシック" charset="0"/>
+            </a:endParaRPr>
+          </a:p>
+          <a:p>
+            <a:pPr lvl="1"/>
+            <a:r>
+              <a:rPr lang="en-US" dirty="0">
+                <a:latin typeface="Calibri" charset="0"/>
+                <a:ea typeface="ＭＳ Ｐゴシック" charset="0"/>
+              </a:rPr>
+              <a:t>N = total number of </a:t>
+            </a:r>
+            <a:r>
+              <a:rPr lang="en-US" dirty="0" err="1">
+                <a:latin typeface="Calibri" charset="0"/>
+                <a:ea typeface="ＭＳ Ｐゴシック" charset="0"/>
+              </a:rPr>
+              <a:t>mappable</a:t>
+            </a:r>
+            <a:r>
+              <a:rPr lang="en-US" dirty="0">
+                <a:latin typeface="Calibri" charset="0"/>
+                <a:ea typeface="ＭＳ Ｐゴシック" charset="0"/>
+              </a:rPr>
+              <a:t> reads/fragments in the library </a:t>
+            </a:r>
+          </a:p>
+          <a:p>
+            <a:pPr lvl="1"/>
+            <a:r>
+              <a:rPr lang="en-US" dirty="0">
+                <a:latin typeface="Calibri" charset="0"/>
+                <a:ea typeface="ＭＳ Ｐゴシック" charset="0"/>
+              </a:rPr>
+              <a:t>L = number of base pairs in the gene/transcript/exon/</a:t>
+            </a:r>
+            <a:r>
+              <a:rPr lang="en-US" dirty="0" err="1">
+                <a:latin typeface="Calibri" charset="0"/>
+                <a:ea typeface="ＭＳ Ｐゴシック" charset="0"/>
+              </a:rPr>
+              <a:t>etc</a:t>
+            </a:r>
+            <a:endParaRPr lang="en-US" dirty="0">
+              <a:latin typeface="Calibri" charset="0"/>
+              <a:ea typeface="ＭＳ Ｐゴシック" charset="0"/>
+            </a:endParaRPr>
+          </a:p>
+          <a:p>
+            <a:pPr marL="457200" lvl="1" indent="0">
+              <a:buNone/>
+            </a:pPr>
+            <a:endParaRPr lang="en-US" dirty="0">
+              <a:latin typeface="Calibri" charset="0"/>
+              <a:ea typeface="ＭＳ Ｐゴシック" charset="0"/>
+            </a:endParaRPr>
+          </a:p>
+          <a:p>
+            <a:r>
+              <a:rPr lang="en-US" dirty="0">
+                <a:latin typeface="Calibri" charset="0"/>
+                <a:ea typeface="ＭＳ Ｐゴシック" charset="0"/>
+                <a:hlinkClick r:id="rId2"/>
+              </a:rPr>
+              <a:t>http://www.biostars.org/p/11378/</a:t>
+            </a:r>
+            <a:endParaRPr lang="en-US" dirty="0">
+              <a:latin typeface="Calibri" charset="0"/>
+              <a:ea typeface="ＭＳ Ｐゴシック" charset="0"/>
+            </a:endParaRPr>
+          </a:p>
+          <a:p>
+            <a:r>
+              <a:rPr lang="en-US" dirty="0">
+                <a:latin typeface="Calibri" charset="0"/>
+                <a:ea typeface="ＭＳ Ｐゴシック" charset="0"/>
+                <a:hlinkClick r:id="rId3"/>
+              </a:rPr>
+              <a:t>http://www.biostars.org/p/68126/</a:t>
+            </a:r>
+            <a:endParaRPr lang="en-US" dirty="0">
+              <a:latin typeface="Calibri" charset="0"/>
+              <a:ea typeface="ＭＳ Ｐゴシック" charset="0"/>
+            </a:endParaRPr>
+          </a:p>
+          <a:p>
+            <a:endParaRPr lang="en-US" dirty="0"/>
+          </a:p>
+        </p:txBody>
+      </p:sp>
+    </p:spTree>
+    <p:extLst>
+      <p:ext uri="{BB962C8B-B14F-4D97-AF65-F5344CB8AC3E}">
+        <p14:creationId xmlns:p14="http://schemas.microsoft.com/office/powerpoint/2010/main" val="3800216838"/>
+      </p:ext>
+    </p:extLst>
+  </p:cSld>
+  <p:clrMapOvr>
+    <a:masterClrMapping/>
+  </p:clrMapOvr>
+</p:sld>
+</file>
+
+<file path=ppt/slides/slide8.xml><?xml version="1.0" encoding="utf-8"?>
+<p:sld xmlns:a="http://schemas.openxmlformats.org/drawingml/2006/main" xmlns:r="http://schemas.openxmlformats.org/officeDocument/2006/relationships" xmlns:p="http://schemas.openxmlformats.org/presentationml/2006/main">
+  <p:cSld>
+    <p:spTree>
+      <p:nvGrpSpPr>
+        <p:cNvPr id="1" name=""/>
+        <p:cNvGrpSpPr/>
+        <p:nvPr/>
+      </p:nvGrpSpPr>
+      <p:grpSpPr>
+        <a:xfrm>
+          <a:off x="0" y="0"/>
+          <a:ext cx="0" cy="0"/>
+          <a:chOff x="0" y="0"/>
+          <a:chExt cx="0" cy="0"/>
+        </a:xfrm>
+      </p:grpSpPr>
+      <p:sp>
+        <p:nvSpPr>
+          <p:cNvPr id="2" name="Title 1"/>
+          <p:cNvSpPr>
+            <a:spLocks noGrp="1"/>
+          </p:cNvSpPr>
+          <p:nvPr>
+            <p:ph type="title"/>
+          </p:nvPr>
+        </p:nvSpPr>
+        <p:spPr/>
+        <p:txBody>
+          <a:bodyPr/>
+          <a:lstStyle/>
+          <a:p>
+            <a:r>
+              <a:rPr lang="en-US" dirty="0" smtClean="0"/>
+              <a:t>What are raw counts</a:t>
+            </a:r>
+            <a:endParaRPr lang="en-US" dirty="0"/>
+          </a:p>
+        </p:txBody>
+      </p:sp>
+      <p:sp>
+        <p:nvSpPr>
+          <p:cNvPr id="3" name="Content Placeholder 2"/>
+          <p:cNvSpPr>
+            <a:spLocks noGrp="1"/>
+          </p:cNvSpPr>
+          <p:nvPr>
+            <p:ph idx="1"/>
+          </p:nvPr>
+        </p:nvSpPr>
+        <p:spPr/>
+        <p:txBody>
+          <a:bodyPr/>
+          <a:lstStyle/>
+          <a:p>
+            <a:r>
+              <a:rPr lang="en-US" dirty="0">
+                <a:latin typeface="Calibri" charset="0"/>
+                <a:ea typeface="ＭＳ Ｐゴシック" charset="0"/>
+              </a:rPr>
+              <a:t>Raw read counts as an alternate for differential expression analysis</a:t>
+            </a:r>
+          </a:p>
+          <a:p>
+            <a:pPr lvl="1"/>
+            <a:r>
+              <a:rPr lang="en-US" dirty="0">
+                <a:latin typeface="Calibri" charset="0"/>
+                <a:ea typeface="ＭＳ Ｐゴシック" charset="0"/>
+              </a:rPr>
+              <a:t>Instead of calculating FPKM, simply assign reads/fragments to a defined set of genes/transcripts and determine “raw counts”</a:t>
+            </a:r>
+          </a:p>
+          <a:p>
+            <a:pPr lvl="2"/>
+            <a:r>
+              <a:rPr lang="en-US" dirty="0">
+                <a:latin typeface="Calibri" charset="0"/>
+                <a:ea typeface="ＭＳ Ｐゴシック" charset="0"/>
+              </a:rPr>
+              <a:t>Transcript structures could still be defined by something like cufflinks </a:t>
+            </a:r>
+          </a:p>
+          <a:p>
+            <a:r>
+              <a:rPr lang="en-US" dirty="0" err="1">
+                <a:latin typeface="Calibri" charset="0"/>
+                <a:ea typeface="ＭＳ Ｐゴシック" charset="0"/>
+              </a:rPr>
+              <a:t>HTSeq</a:t>
+            </a:r>
+            <a:r>
+              <a:rPr lang="en-US" dirty="0">
+                <a:latin typeface="Calibri" charset="0"/>
+                <a:ea typeface="ＭＳ Ｐゴシック" charset="0"/>
+              </a:rPr>
+              <a:t> (</a:t>
+            </a:r>
+            <a:r>
+              <a:rPr lang="en-US" dirty="0" err="1">
+                <a:latin typeface="Calibri" charset="0"/>
+                <a:ea typeface="ＭＳ Ｐゴシック" charset="0"/>
+              </a:rPr>
+              <a:t>htseq</a:t>
+            </a:r>
+            <a:r>
+              <a:rPr lang="en-US" dirty="0">
+                <a:latin typeface="Calibri" charset="0"/>
+                <a:ea typeface="ＭＳ Ｐゴシック" charset="0"/>
+              </a:rPr>
+              <a:t>-count)</a:t>
+            </a:r>
+          </a:p>
+          <a:p>
+            <a:pPr lvl="1"/>
+            <a:r>
+              <a:rPr lang="en-US" dirty="0">
+                <a:latin typeface="Calibri" charset="0"/>
+                <a:ea typeface="ＭＳ Ｐゴシック" charset="0"/>
+                <a:hlinkClick r:id="rId2"/>
+              </a:rPr>
+              <a:t>http://www-huber.embl.de/users/anders/HTSeq/doc/count.html</a:t>
+            </a:r>
+            <a:endParaRPr lang="en-US" dirty="0">
+              <a:latin typeface="Calibri" charset="0"/>
+              <a:ea typeface="ＭＳ Ｐゴシック" charset="0"/>
+            </a:endParaRPr>
+          </a:p>
+          <a:p>
+            <a:pPr lvl="1"/>
+            <a:r>
+              <a:rPr lang="en-US" dirty="0" err="1">
+                <a:latin typeface="Calibri" charset="0"/>
+                <a:ea typeface="ＭＳ Ｐゴシック" charset="0"/>
+              </a:rPr>
+              <a:t>htseq</a:t>
+            </a:r>
+            <a:r>
+              <a:rPr lang="en-US" dirty="0">
+                <a:latin typeface="Calibri" charset="0"/>
+                <a:ea typeface="ＭＳ Ｐゴシック" charset="0"/>
+              </a:rPr>
+              <a:t>-count --mode intersection-strict --stranded no --</a:t>
+            </a:r>
+            <a:r>
+              <a:rPr lang="en-US" dirty="0" err="1">
+                <a:latin typeface="Calibri" charset="0"/>
+                <a:ea typeface="ＭＳ Ｐゴシック" charset="0"/>
+              </a:rPr>
+              <a:t>minaqual</a:t>
+            </a:r>
+            <a:r>
+              <a:rPr lang="en-US" dirty="0">
+                <a:latin typeface="Calibri" charset="0"/>
+                <a:ea typeface="ＭＳ Ｐゴシック" charset="0"/>
+              </a:rPr>
+              <a:t> 1 --type exon --</a:t>
+            </a:r>
+            <a:r>
+              <a:rPr lang="en-US" dirty="0" err="1">
+                <a:latin typeface="Calibri" charset="0"/>
+                <a:ea typeface="ＭＳ Ｐゴシック" charset="0"/>
+              </a:rPr>
+              <a:t>idattr</a:t>
+            </a:r>
+            <a:r>
+              <a:rPr lang="en-US" dirty="0">
+                <a:latin typeface="Calibri" charset="0"/>
+                <a:ea typeface="ＭＳ Ｐゴシック" charset="0"/>
+              </a:rPr>
+              <a:t> </a:t>
+            </a:r>
+            <a:r>
+              <a:rPr lang="en-US" dirty="0" err="1">
+                <a:latin typeface="Calibri" charset="0"/>
+                <a:ea typeface="ＭＳ Ｐゴシック" charset="0"/>
+              </a:rPr>
+              <a:t>transcript_id</a:t>
+            </a:r>
+            <a:r>
+              <a:rPr lang="en-US" dirty="0">
+                <a:latin typeface="Calibri" charset="0"/>
+                <a:ea typeface="ＭＳ Ｐゴシック" charset="0"/>
+              </a:rPr>
+              <a:t> </a:t>
+            </a:r>
+            <a:r>
+              <a:rPr lang="en-US" dirty="0" err="1">
+                <a:latin typeface="Calibri" charset="0"/>
+                <a:ea typeface="ＭＳ Ｐゴシック" charset="0"/>
+              </a:rPr>
+              <a:t>accepted_hits.sam</a:t>
+            </a:r>
+            <a:r>
+              <a:rPr lang="en-US" dirty="0">
+                <a:latin typeface="Calibri" charset="0"/>
+                <a:ea typeface="ＭＳ Ｐゴシック" charset="0"/>
+              </a:rPr>
+              <a:t> chr22.gff &gt; </a:t>
+            </a:r>
+            <a:r>
+              <a:rPr lang="en-US" dirty="0" err="1">
+                <a:latin typeface="Calibri" charset="0"/>
+                <a:ea typeface="ＭＳ Ｐゴシック" charset="0"/>
+              </a:rPr>
+              <a:t>transcript_read_counts_table.tsv</a:t>
+            </a:r>
+            <a:endParaRPr lang="en-US" dirty="0">
+              <a:latin typeface="Calibri" charset="0"/>
+              <a:ea typeface="ＭＳ Ｐゴシック" charset="0"/>
+            </a:endParaRPr>
+          </a:p>
+          <a:p>
+            <a:pPr lvl="1"/>
+            <a:r>
+              <a:rPr lang="en-US" dirty="0">
+                <a:latin typeface="Calibri" charset="0"/>
+                <a:ea typeface="ＭＳ Ｐゴシック" charset="0"/>
+              </a:rPr>
+              <a:t>Important caveat of ‘transcript’ analysis by </a:t>
+            </a:r>
+            <a:r>
+              <a:rPr lang="en-US" dirty="0" err="1">
+                <a:latin typeface="Calibri" charset="0"/>
+                <a:ea typeface="ＭＳ Ｐゴシック" charset="0"/>
+              </a:rPr>
+              <a:t>htseq</a:t>
+            </a:r>
+            <a:r>
+              <a:rPr lang="en-US" dirty="0">
+                <a:latin typeface="Calibri" charset="0"/>
+                <a:ea typeface="ＭＳ Ｐゴシック" charset="0"/>
+              </a:rPr>
+              <a:t>-count:</a:t>
+            </a:r>
+          </a:p>
+          <a:p>
+            <a:pPr lvl="2"/>
+            <a:r>
+              <a:rPr lang="en-US" dirty="0">
+                <a:latin typeface="Calibri" charset="0"/>
+                <a:ea typeface="ＭＳ Ｐゴシック" charset="0"/>
+                <a:hlinkClick r:id="rId3"/>
+              </a:rPr>
+              <a:t>http://seqanswers.com/forums/showthread.php?t=18068</a:t>
+            </a:r>
+            <a:endParaRPr lang="en-US" dirty="0">
+              <a:latin typeface="Calibri" charset="0"/>
+              <a:ea typeface="ＭＳ Ｐゴシック" charset="0"/>
+            </a:endParaRPr>
+          </a:p>
+          <a:p>
+            <a:endParaRPr lang="en-US" dirty="0"/>
+          </a:p>
+        </p:txBody>
+      </p:sp>
+    </p:spTree>
+    <p:extLst>
+      <p:ext uri="{BB962C8B-B14F-4D97-AF65-F5344CB8AC3E}">
+        <p14:creationId xmlns:p14="http://schemas.microsoft.com/office/powerpoint/2010/main" val="1513343475"/>
+      </p:ext>
+    </p:extLst>
+  </p:cSld>
+  <p:clrMapOvr>
+    <a:masterClrMapping/>
+  </p:clrMapOvr>
+</p:sld>
+</file>
+
+<file path=ppt/slides/slide9.xml><?xml version="1.0" encoding="utf-8"?>
+<p:sld xmlns:a="http://schemas.openxmlformats.org/drawingml/2006/main" xmlns:r="http://schemas.openxmlformats.org/officeDocument/2006/relationships" xmlns:p="http://schemas.openxmlformats.org/presentationml/2006/main">
+  <p:cSld>
+    <p:spTree>
+      <p:nvGrpSpPr>
+        <p:cNvPr id="1" name=""/>
+        <p:cNvGrpSpPr/>
+        <p:nvPr/>
+      </p:nvGrpSpPr>
+      <p:grpSpPr>
+        <a:xfrm>
+          <a:off x="0" y="0"/>
+          <a:ext cx="0" cy="0"/>
+          <a:chOff x="0" y="0"/>
+          <a:chExt cx="0" cy="0"/>
+        </a:xfrm>
+      </p:grpSpPr>
+      <p:sp>
+        <p:nvSpPr>
+          <p:cNvPr id="2" name="Title 1"/>
+          <p:cNvSpPr>
+            <a:spLocks noGrp="1"/>
+          </p:cNvSpPr>
+          <p:nvPr>
+            <p:ph type="title"/>
+          </p:nvPr>
+        </p:nvSpPr>
+        <p:spPr/>
+        <p:txBody>
+          <a:bodyPr>
+            <a:normAutofit fontScale="90000"/>
+          </a:bodyPr>
+          <a:lstStyle/>
+          <a:p>
+            <a:r>
+              <a:rPr lang="en-US" dirty="0" err="1"/>
+              <a:t>HTSeq</a:t>
+            </a:r>
+            <a:r>
+              <a:rPr lang="en-US" dirty="0"/>
+              <a:t>-count basically counts reads supporting a feature (exon, gene) by assessing overlapping coordinates</a:t>
+            </a:r>
+          </a:p>
+        </p:txBody>
+      </p:sp>
+      <p:pic>
+        <p:nvPicPr>
+          <p:cNvPr id="4" name="Content Placeholder 3"/>
+          <p:cNvPicPr>
+            <a:picLocks noGrp="1" noChangeAspect="1"/>
+          </p:cNvPicPr>
+          <p:nvPr>
+            <p:ph idx="1"/>
+          </p:nvPr>
+        </p:nvPicPr>
+        <p:blipFill>
+          <a:blip r:embed="rId2"/>
+          <a:srcRect l="-25742" r="-25742"/>
+          <a:stretch>
+            <a:fillRect/>
+          </a:stretch>
+        </p:blipFill>
+        <p:spPr>
+          <a:prstGeom prst="rect">
+            <a:avLst/>
+          </a:prstGeom>
+        </p:spPr>
+      </p:pic>
+      <p:sp>
+        <p:nvSpPr>
+          <p:cNvPr id="5" name="TextBox 4"/>
+          <p:cNvSpPr txBox="1"/>
+          <p:nvPr/>
+        </p:nvSpPr>
+        <p:spPr>
+          <a:xfrm>
+            <a:off x="0" y="6212787"/>
+            <a:ext cx="8566566" cy="646331"/>
+          </a:xfrm>
+          <a:prstGeom prst="rect">
+            <a:avLst/>
+          </a:prstGeom>
+          <a:noFill/>
+        </p:spPr>
+        <p:txBody>
+          <a:bodyPr wrap="square" rtlCol="0">
+            <a:spAutoFit/>
+          </a:bodyPr>
+          <a:lstStyle/>
+          <a:p>
+            <a:r>
+              <a:rPr lang="en-US" sz="1800" dirty="0" smtClean="0"/>
+              <a:t>Whether a read is counted depends on the nature of overlap and “mode” selected</a:t>
+            </a:r>
+            <a:endParaRPr lang="en-US" sz="1800" dirty="0"/>
+          </a:p>
+        </p:txBody>
+      </p:sp>
+    </p:spTree>
+    <p:extLst>
+      <p:ext uri="{BB962C8B-B14F-4D97-AF65-F5344CB8AC3E}">
+        <p14:creationId xmlns:p14="http://schemas.microsoft.com/office/powerpoint/2010/main" val="1646574095"/>
+      </p:ext>
+    </p:extLst>
+  </p:cSld>
+  <p:clrMapOvr>
+    <a:masterClrMapping/>
+  </p:clrMapOvr>
 </p:sld>
 </file>
 
@@ -3778,7 +5195,7 @@
   <a:extraClrSchemeLst/>
   <a:extLst>
     <a:ext uri="{05A4C25C-085E-4340-85A3-A5531E510DB2}">
-      <thm15:themeFamily xmlns="" xmlns:thm15="http://schemas.microsoft.com/office/thememl/2012/main" name="MGI_4-3_ratio_v1a" id="{9A0171FA-20F4-F840-B1C8-29D686AB0540}" vid="{60506783-C923-7847-B1CA-7C860CC95497}"/>
+      <thm15:themeFamily xmlns:thm15="http://schemas.microsoft.com/office/thememl/2012/main" xmlns="" name="MGI_4-3_ratio_v1a" id="{9A0171FA-20F4-F840-B1C8-29D686AB0540}" vid="{60506783-C923-7847-B1CA-7C860CC95497}"/>
     </a:ext>
   </a:extLst>
 </a:theme>
